--- a/DSCI560_Yifan Yang_Streaming Hierarchical.pptx
+++ b/DSCI560_Yifan Yang_Streaming Hierarchical.pptx
@@ -5,20 +5,19 @@
     <p:sldMasterId id="2147483648" r:id="rId1"/>
   </p:sldMasterIdLst>
   <p:notesMasterIdLst>
-    <p:notesMasterId r:id="rId9"/>
+    <p:notesMasterId r:id="rId8"/>
   </p:notesMasterIdLst>
   <p:sldIdLst>
     <p:sldId id="259" r:id="rId3"/>
     <p:sldId id="260" r:id="rId4"/>
     <p:sldId id="263" r:id="rId5"/>
-    <p:sldId id="278" r:id="rId6"/>
-    <p:sldId id="277" r:id="rId7"/>
-    <p:sldId id="264" r:id="rId8"/>
+    <p:sldId id="277" r:id="rId6"/>
+    <p:sldId id="264" r:id="rId7"/>
   </p:sldIdLst>
   <p:sldSz cx="9144000" cy="6858000" type="screen4x3"/>
   <p:notesSz cx="6858000" cy="9144000"/>
   <p:custDataLst>
-    <p:tags r:id="rId13"/>
+    <p:tags r:id="rId12"/>
   </p:custDataLst>
   <p:defaultTextStyle>
     <a:defPPr>
@@ -123,7 +122,7 @@
             <a:srgbClr val="A4A3A4"/>
           </p15:clr>
         </p15:guide>
-        <p15:guide id="2" pos="2880" userDrawn="1">
+        <p15:guide id="2" pos="2882" userDrawn="1">
           <p15:clr>
             <a:srgbClr val="A4A3A4"/>
           </p15:clr>
@@ -1053,7 +1052,7 @@
         </p:spPr>
         <p:txBody>
           <a:bodyPr vert="horz" lIns="91440" tIns="45720" rIns="91440" bIns="45720" rtlCol="0" anchor="ctr">
-            <a:normAutofit/>
+            <a:normAutofit lnSpcReduction="10000"/>
           </a:bodyPr>
           <a:lstStyle/>
           <a:p>
@@ -1088,7 +1087,56 @@
                 <a:ea typeface="+mj-ea"/>
                 <a:cs typeface="Arial" panose="020B0604020202020204"/>
               </a:rPr>
-              <a:t>Streaming Hierarchical Clustering for Concept Mining</a:t>
+              <a:t>A Physics-Guided Deep Learning Predictive Model for Robust </a:t>
+            </a:r>
+            <a:endParaRPr kumimoji="0" lang="en-US" sz="3200" b="1" u="none" strike="noStrike" kern="1200" cap="none" spc="0" normalizeH="0" baseline="0" noProof="0" dirty="0" smtClean="0">
+              <a:ln>
+                <a:noFill/>
+              </a:ln>
+              <a:solidFill>
+                <a:srgbClr val="990000"/>
+              </a:solidFill>
+              <a:effectLst/>
+              <a:uLnTx/>
+              <a:uFillTx/>
+              <a:latin typeface="Arial" panose="020B0604020202020204"/>
+              <a:ea typeface="+mj-ea"/>
+              <a:cs typeface="Arial" panose="020B0604020202020204"/>
+            </a:endParaRPr>
+          </a:p>
+          <a:p>
+            <a:pPr marL="0" marR="0" lvl="0" indent="0" algn="ctr" defTabSz="457200" rtl="0" eaLnBrk="1" fontAlgn="auto" latinLnBrk="0" hangingPunct="1">
+              <a:lnSpc>
+                <a:spcPct val="100000"/>
+              </a:lnSpc>
+              <a:spcBef>
+                <a:spcPct val="0"/>
+              </a:spcBef>
+              <a:spcAft>
+                <a:spcPts val="0"/>
+              </a:spcAft>
+              <a:buClrTx/>
+              <a:buSzTx/>
+              <a:buFontTx/>
+              <a:buNone/>
+              <a:defRPr/>
+            </a:pPr>
+            <a:r>
+              <a:rPr kumimoji="0" lang="en-US" sz="3200" b="1" u="none" strike="noStrike" kern="1200" cap="none" spc="0" normalizeH="0" baseline="0" noProof="0" dirty="0" smtClean="0">
+                <a:ln>
+                  <a:noFill/>
+                </a:ln>
+                <a:solidFill>
+                  <a:srgbClr val="990000"/>
+                </a:solidFill>
+                <a:effectLst/>
+                <a:uLnTx/>
+                <a:uFillTx/>
+                <a:latin typeface="Arial" panose="020B0604020202020204"/>
+                <a:ea typeface="+mj-ea"/>
+                <a:cs typeface="Arial" panose="020B0604020202020204"/>
+              </a:rPr>
+              <a:t>Production Forecasting and Diagnostics in Unconventional Wells</a:t>
             </a:r>
             <a:endParaRPr kumimoji="0" lang="en-US" sz="3200" b="1" u="none" strike="noStrike" kern="1200" cap="none" spc="0" normalizeH="0" baseline="0" noProof="0" dirty="0" smtClean="0">
               <a:ln>
@@ -1552,14 +1600,14 @@
             </a:pPr>
             <a:r>
               <a:rPr lang="en-US" b="1" dirty="0">
-                <a:latin typeface="Arial" panose="020B0604020202020204"/>
-                <a:cs typeface="Arial" panose="020B0604020202020204"/>
-              </a:rPr>
-              <a:t>INTRODUCTION and HIERARCHICAL PARTITIONING </a:t>
+                <a:latin typeface="Times New Roman" panose="02020603050405020304" charset="0"/>
+                <a:cs typeface="Times New Roman" panose="02020603050405020304" charset="0"/>
+              </a:rPr>
+              <a:t>INTRODUCTION </a:t>
             </a:r>
             <a:endParaRPr lang="en-US" b="1" dirty="0">
-              <a:latin typeface="Arial" panose="020B0604020202020204"/>
-              <a:cs typeface="Arial" panose="020B0604020202020204"/>
+              <a:latin typeface="Times New Roman" panose="02020603050405020304" charset="0"/>
+              <a:cs typeface="Times New Roman" panose="02020603050405020304" charset="0"/>
             </a:endParaRPr>
           </a:p>
         </p:txBody>
@@ -1673,7 +1721,7 @@
                 <a:latin typeface="Times New Roman" panose="02020603050405020304" charset="0"/>
                 <a:cs typeface="Times New Roman" panose="02020603050405020304" charset="0"/>
               </a:rPr>
-              <a:t>The approach is applicable to </a:t>
+              <a:t>Flow simulation models of dense formations with complex fracture networks still require </a:t>
             </a:r>
             <a:r>
               <a:rPr b="1">
@@ -1691,7 +1739,7 @@
                 <a:latin typeface="Times New Roman" panose="02020603050405020304" charset="0"/>
                 <a:cs typeface="Times New Roman" panose="02020603050405020304" charset="0"/>
               </a:rPr>
-              <a:t>multilingual documents and multiple encodings</a:t>
+              <a:t>long-term fundamental research</a:t>
             </a:r>
             <a:r>
               <a:rPr b="1">
@@ -1701,7 +1749,7 @@
                 <a:latin typeface="Times New Roman" panose="02020603050405020304" charset="0"/>
                 <a:cs typeface="Times New Roman" panose="02020603050405020304" charset="0"/>
               </a:rPr>
-              <a:t>, which can be automatically identified and converted into a </a:t>
+              <a:t> and more understanding of the physical processes occurring in these complex systems to </a:t>
             </a:r>
             <a:r>
               <a:rPr b="1">
@@ -1719,7 +1767,7 @@
                 <a:latin typeface="Times New Roman" panose="02020603050405020304" charset="0"/>
                 <a:cs typeface="Times New Roman" panose="02020603050405020304" charset="0"/>
               </a:rPr>
-              <a:t>common structure</a:t>
+              <a:t>fully represent flow and transport processes.</a:t>
             </a:r>
             <a:endParaRPr b="1">
               <a:ln/>
@@ -1739,6 +1787,183 @@
           </a:p>
           <a:p>
             <a:endParaRPr b="1">
+              <a:solidFill>
+                <a:srgbClr val="000000"/>
+              </a:solidFill>
+              <a:latin typeface="Times New Roman" panose="02020603050405020304" charset="0"/>
+              <a:cs typeface="Times New Roman" panose="02020603050405020304" charset="0"/>
+            </a:endParaRPr>
+          </a:p>
+          <a:p>
+            <a:r>
+              <a:rPr b="1">
+                <a:solidFill>
+                  <a:srgbClr val="000000"/>
+                </a:solidFill>
+                <a:latin typeface="Times New Roman" panose="02020603050405020304" charset="0"/>
+                <a:cs typeface="Times New Roman" panose="02020603050405020304" charset="0"/>
+              </a:rPr>
+              <a:t>The proposed prediction model combines the </a:t>
+            </a:r>
+            <a:r>
+              <a:rPr b="1">
+                <a:ln/>
+                <a:solidFill>
+                  <a:schemeClr val="tx1"/>
+                </a:solidFill>
+                <a:effectLst>
+                  <a:outerShdw blurRad="38100" dist="19050" dir="2700000" algn="tl" rotWithShape="0">
+                    <a:schemeClr val="dk1">
+                      <a:alpha val="40000"/>
+                    </a:schemeClr>
+                  </a:outerShdw>
+                </a:effectLst>
+                <a:latin typeface="Times New Roman" panose="02020603050405020304" charset="0"/>
+                <a:cs typeface="Times New Roman" panose="02020603050405020304" charset="0"/>
+              </a:rPr>
+              <a:t>advantages</a:t>
+            </a:r>
+            <a:r>
+              <a:rPr b="1">
+                <a:solidFill>
+                  <a:srgbClr val="000000"/>
+                </a:solidFill>
+                <a:latin typeface="Times New Roman" panose="02020603050405020304" charset="0"/>
+                <a:cs typeface="Times New Roman" panose="02020603050405020304" charset="0"/>
+              </a:rPr>
+              <a:t> of data-driven and physics-based methods. Purely data-driven models have </a:t>
+            </a:r>
+            <a:r>
+              <a:rPr b="1">
+                <a:ln/>
+                <a:solidFill>
+                  <a:schemeClr val="tx1"/>
+                </a:solidFill>
+                <a:effectLst>
+                  <a:outerShdw blurRad="38100" dist="19050" dir="2700000" algn="tl" rotWithShape="0">
+                    <a:schemeClr val="dk1">
+                      <a:alpha val="40000"/>
+                    </a:schemeClr>
+                  </a:outerShdw>
+                </a:effectLst>
+                <a:latin typeface="Times New Roman" panose="02020603050405020304" charset="0"/>
+                <a:cs typeface="Times New Roman" panose="02020603050405020304" charset="0"/>
+              </a:rPr>
+              <a:t>limited generalization capabilities </a:t>
+            </a:r>
+            <a:r>
+              <a:rPr b="1">
+                <a:solidFill>
+                  <a:srgbClr val="000000"/>
+                </a:solidFill>
+                <a:latin typeface="Times New Roman" panose="02020603050405020304" charset="0"/>
+                <a:cs typeface="Times New Roman" panose="02020603050405020304" charset="0"/>
+              </a:rPr>
+              <a:t>beyond the range of data used in their training, but can capture complex hidden patterns. Purely physics-based models may be based on imperfect physical models but can provide </a:t>
+            </a:r>
+            <a:r>
+              <a:rPr b="1">
+                <a:ln/>
+                <a:solidFill>
+                  <a:schemeClr val="tx1"/>
+                </a:solidFill>
+                <a:effectLst>
+                  <a:outerShdw blurRad="38100" dist="19050" dir="2700000" algn="tl" rotWithShape="0">
+                    <a:schemeClr val="dk1">
+                      <a:alpha val="40000"/>
+                    </a:schemeClr>
+                  </a:outerShdw>
+                </a:effectLst>
+                <a:latin typeface="Times New Roman" panose="02020603050405020304" charset="0"/>
+                <a:cs typeface="Times New Roman" panose="02020603050405020304" charset="0"/>
+              </a:rPr>
+              <a:t>causal predictions</a:t>
+            </a:r>
+            <a:r>
+              <a:rPr b="1">
+                <a:solidFill>
+                  <a:srgbClr val="000000"/>
+                </a:solidFill>
+                <a:latin typeface="Times New Roman" panose="02020603050405020304" charset="0"/>
+                <a:cs typeface="Times New Roman" panose="02020603050405020304" charset="0"/>
+              </a:rPr>
+              <a:t> for any range of input parameters.</a:t>
+            </a:r>
+            <a:endParaRPr b="1">
+              <a:solidFill>
+                <a:srgbClr val="000000"/>
+              </a:solidFill>
+              <a:latin typeface="Times New Roman" panose="02020603050405020304" charset="0"/>
+              <a:cs typeface="Times New Roman" panose="02020603050405020304" charset="0"/>
+            </a:endParaRPr>
+          </a:p>
+          <a:p>
+            <a:endParaRPr b="1">
+              <a:solidFill>
+                <a:srgbClr val="000000"/>
+              </a:solidFill>
+              <a:latin typeface="Times New Roman" panose="02020603050405020304" charset="0"/>
+              <a:cs typeface="Times New Roman" panose="02020603050405020304" charset="0"/>
+            </a:endParaRPr>
+          </a:p>
+          <a:p>
+            <a:r>
+              <a:rPr b="1">
+                <a:solidFill>
+                  <a:srgbClr val="000000"/>
+                </a:solidFill>
+                <a:latin typeface="Times New Roman" panose="02020603050405020304" charset="0"/>
+                <a:cs typeface="Times New Roman" panose="02020603050405020304" charset="0"/>
+              </a:rPr>
+              <a:t>Deep learning predictive models learn the difference </a:t>
+            </a:r>
+            <a:r>
+              <a:rPr b="1">
+                <a:ln/>
+                <a:solidFill>
+                  <a:schemeClr val="tx1"/>
+                </a:solidFill>
+                <a:effectLst>
+                  <a:outerShdw blurRad="38100" dist="19050" dir="2700000" algn="tl" rotWithShape="0">
+                    <a:schemeClr val="dk1">
+                      <a:alpha val="40000"/>
+                    </a:schemeClr>
+                  </a:outerShdw>
+                </a:effectLst>
+                <a:latin typeface="Times New Roman" panose="02020603050405020304" charset="0"/>
+                <a:cs typeface="Times New Roman" panose="02020603050405020304" charset="0"/>
+              </a:rPr>
+              <a:t>between simulated and observed production </a:t>
+            </a:r>
+            <a:r>
+              <a:rPr b="1">
+                <a:solidFill>
+                  <a:srgbClr val="000000"/>
+                </a:solidFill>
+                <a:latin typeface="Times New Roman" panose="02020603050405020304" charset="0"/>
+                <a:cs typeface="Times New Roman" panose="02020603050405020304" charset="0"/>
+              </a:rPr>
+              <a:t>data and use this to </a:t>
+            </a:r>
+            <a:r>
+              <a:rPr b="1">
+                <a:ln/>
+                <a:solidFill>
+                  <a:schemeClr val="tx1"/>
+                </a:solidFill>
+                <a:effectLst>
+                  <a:outerShdw blurRad="38100" dist="19050" dir="2700000" algn="tl" rotWithShape="0">
+                    <a:schemeClr val="dk1">
+                      <a:alpha val="40000"/>
+                    </a:schemeClr>
+                  </a:outerShdw>
+                </a:effectLst>
+                <a:latin typeface="Times New Roman" panose="02020603050405020304" charset="0"/>
+                <a:cs typeface="Times New Roman" panose="02020603050405020304" charset="0"/>
+              </a:rPr>
+              <a:t>enhance the accuracy of simulation-based predictions.</a:t>
+            </a:r>
+            <a:endParaRPr b="1">
               <a:ln/>
               <a:solidFill>
                 <a:schemeClr val="tx1"/>
@@ -1755,305 +1980,24 @@
             </a:endParaRPr>
           </a:p>
           <a:p>
-            <a:r>
-              <a:rPr b="1">
-                <a:solidFill>
-                  <a:srgbClr val="000000"/>
-                </a:solidFill>
-                <a:latin typeface="Times New Roman" panose="02020603050405020304" charset="0"/>
-                <a:cs typeface="Times New Roman" panose="02020603050405020304" charset="0"/>
-              </a:rPr>
-              <a:t>have</a:t>
-            </a:r>
-            <a:r>
-              <a:rPr lang="en-US" b="1">
-                <a:solidFill>
-                  <a:srgbClr val="000000"/>
-                </a:solidFill>
-                <a:latin typeface="Times New Roman" panose="02020603050405020304" charset="0"/>
-                <a:cs typeface="Times New Roman" panose="02020603050405020304" charset="0"/>
-              </a:rPr>
-              <a:t> </a:t>
-            </a:r>
-            <a:r>
-              <a:rPr b="1">
-                <a:solidFill>
-                  <a:srgbClr val="000000"/>
-                </a:solidFill>
-                <a:latin typeface="Times New Roman" panose="02020603050405020304" charset="0"/>
-                <a:cs typeface="Times New Roman" panose="02020603050405020304" charset="0"/>
-              </a:rPr>
-              <a:t>developed novel, </a:t>
-            </a:r>
-            <a:r>
-              <a:rPr b="1">
-                <a:ln/>
-                <a:solidFill>
-                  <a:schemeClr val="tx1"/>
-                </a:solidFill>
-                <a:effectLst>
-                  <a:outerShdw blurRad="38100" dist="19050" dir="2700000" algn="tl" rotWithShape="0">
-                    <a:schemeClr val="dk1">
-                      <a:alpha val="40000"/>
-                    </a:schemeClr>
-                  </a:outerShdw>
-                </a:effectLst>
-                <a:latin typeface="Times New Roman" panose="02020603050405020304" charset="0"/>
-                <a:cs typeface="Times New Roman" panose="02020603050405020304" charset="0"/>
-              </a:rPr>
-              <a:t>hardware-accelerated </a:t>
-            </a:r>
-            <a:r>
-              <a:rPr b="1">
-                <a:solidFill>
-                  <a:srgbClr val="000000"/>
-                </a:solidFill>
-                <a:latin typeface="Times New Roman" panose="02020603050405020304" charset="0"/>
-                <a:cs typeface="Times New Roman" panose="02020603050405020304" charset="0"/>
-              </a:rPr>
-              <a:t>approaches to detecting known and unknown content, at line speeds</a:t>
-            </a:r>
-            <a:endParaRPr b="1">
+            <a:endParaRPr lang="en-US" altLang="zh-CN" b="1">
+              <a:ln/>
               <a:solidFill>
-                <a:srgbClr val="000000"/>
+                <a:schemeClr val="tx1"/>
               </a:solidFill>
+              <a:effectLst>
+                <a:outerShdw blurRad="38100" dist="19050" dir="2700000" algn="tl" rotWithShape="0">
+                  <a:schemeClr val="dk1">
+                    <a:alpha val="40000"/>
+                  </a:schemeClr>
+                </a:outerShdw>
+              </a:effectLst>
               <a:latin typeface="Times New Roman" panose="02020603050405020304" charset="0"/>
               <a:cs typeface="Times New Roman" panose="02020603050405020304" charset="0"/>
             </a:endParaRPr>
           </a:p>
-          <a:p>
-            <a:endParaRPr b="1">
-              <a:solidFill>
-                <a:srgbClr val="000000"/>
-              </a:solidFill>
-              <a:latin typeface="Times New Roman" panose="02020603050405020304" charset="0"/>
-              <a:cs typeface="Times New Roman" panose="02020603050405020304" charset="0"/>
-            </a:endParaRPr>
-          </a:p>
-          <a:p>
-            <a:r>
-              <a:rPr b="1">
-                <a:solidFill>
-                  <a:srgbClr val="000000"/>
-                </a:solidFill>
-                <a:latin typeface="Times New Roman" panose="02020603050405020304" charset="0"/>
-                <a:cs typeface="Times New Roman" panose="02020603050405020304" charset="0"/>
-              </a:rPr>
-              <a:t>The AFE system is a </a:t>
-            </a:r>
-            <a:r>
-              <a:rPr b="1">
-                <a:ln/>
-                <a:solidFill>
-                  <a:schemeClr val="tx1"/>
-                </a:solidFill>
-                <a:effectLst>
-                  <a:outerShdw blurRad="38100" dist="19050" dir="2700000" algn="tl" rotWithShape="0">
-                    <a:schemeClr val="dk1">
-                      <a:alpha val="40000"/>
-                    </a:schemeClr>
-                  </a:outerShdw>
-                </a:effectLst>
-                <a:latin typeface="Times New Roman" panose="02020603050405020304" charset="0"/>
-                <a:cs typeface="Times New Roman" panose="02020603050405020304" charset="0"/>
-              </a:rPr>
-              <a:t>High Speed Content classification system</a:t>
-            </a:r>
-            <a:r>
-              <a:rPr b="1">
-                <a:solidFill>
-                  <a:srgbClr val="000000"/>
-                </a:solidFill>
-                <a:latin typeface="Times New Roman" panose="02020603050405020304" charset="0"/>
-                <a:cs typeface="Times New Roman" panose="02020603050405020304" charset="0"/>
-              </a:rPr>
-              <a:t> that works in three stages to classify flows of TCP traffic. </a:t>
-            </a:r>
-            <a:endParaRPr b="1">
-              <a:solidFill>
-                <a:srgbClr val="000000"/>
-              </a:solidFill>
-              <a:latin typeface="Times New Roman" panose="02020603050405020304" charset="0"/>
-              <a:cs typeface="Times New Roman" panose="02020603050405020304" charset="0"/>
-            </a:endParaRPr>
-          </a:p>
-          <a:p>
-            <a:endParaRPr b="1">
-              <a:solidFill>
-                <a:srgbClr val="000000"/>
-              </a:solidFill>
-              <a:latin typeface="Times New Roman" panose="02020603050405020304" charset="0"/>
-              <a:cs typeface="Times New Roman" panose="02020603050405020304" charset="0"/>
-            </a:endParaRPr>
-          </a:p>
-          <a:p>
-            <a:r>
-              <a:rPr b="1">
-                <a:solidFill>
-                  <a:srgbClr val="000000"/>
-                </a:solidFill>
-                <a:latin typeface="Times New Roman" panose="02020603050405020304" charset="0"/>
-                <a:cs typeface="Times New Roman" panose="02020603050405020304" charset="0"/>
-              </a:rPr>
-              <a:t>Two standard approaches can be taken to the problem organizing a collection of documents represented as fixed</a:t>
-            </a:r>
-            <a:r>
-              <a:rPr lang="en-US" b="1">
-                <a:solidFill>
-                  <a:srgbClr val="000000"/>
-                </a:solidFill>
-                <a:latin typeface="Times New Roman" panose="02020603050405020304" charset="0"/>
-                <a:cs typeface="Times New Roman" panose="02020603050405020304" charset="0"/>
-              </a:rPr>
-              <a:t> </a:t>
-            </a:r>
-            <a:r>
-              <a:rPr b="1">
-                <a:solidFill>
-                  <a:srgbClr val="000000"/>
-                </a:solidFill>
-                <a:latin typeface="Times New Roman" panose="02020603050405020304" charset="0"/>
-                <a:cs typeface="Times New Roman" panose="02020603050405020304" charset="0"/>
-              </a:rPr>
-              <a:t>length vectors of high dimensionality hierarchically – </a:t>
-            </a:r>
-            <a:r>
-              <a:rPr b="1">
-                <a:ln/>
-                <a:solidFill>
-                  <a:schemeClr val="tx1"/>
-                </a:solidFill>
-                <a:effectLst>
-                  <a:outerShdw blurRad="38100" dist="19050" dir="2700000" algn="tl" rotWithShape="0">
-                    <a:schemeClr val="dk1">
-                      <a:alpha val="40000"/>
-                    </a:schemeClr>
-                  </a:outerShdw>
-                </a:effectLst>
-                <a:latin typeface="Times New Roman" panose="02020603050405020304" charset="0"/>
-                <a:cs typeface="Times New Roman" panose="02020603050405020304" charset="0"/>
-              </a:rPr>
-              <a:t>agglomerative (bottom-up), and divisive (top-down)</a:t>
-            </a:r>
-            <a:r>
-              <a:rPr b="1">
-                <a:solidFill>
-                  <a:srgbClr val="000000"/>
-                </a:solidFill>
-                <a:latin typeface="Times New Roman" panose="02020603050405020304" charset="0"/>
-                <a:cs typeface="Times New Roman" panose="02020603050405020304" charset="0"/>
-              </a:rPr>
-              <a:t>. </a:t>
-            </a:r>
-            <a:endParaRPr b="1">
-              <a:solidFill>
-                <a:srgbClr val="000000"/>
-              </a:solidFill>
-              <a:latin typeface="Times New Roman" panose="02020603050405020304" charset="0"/>
-              <a:cs typeface="Times New Roman" panose="02020603050405020304" charset="0"/>
-            </a:endParaRPr>
-          </a:p>
-          <a:p>
-            <a:endParaRPr b="1">
-              <a:latin typeface="Times New Roman" panose="02020603050405020304" charset="0"/>
-              <a:cs typeface="Times New Roman" panose="02020603050405020304" charset="0"/>
-            </a:endParaRPr>
-          </a:p>
-          <a:p>
-            <a:endParaRPr lang="en-US" altLang="zh-CN" b="1">
-              <a:solidFill>
-                <a:srgbClr val="000000"/>
-              </a:solidFill>
-              <a:latin typeface="Times New Roman" panose="02020603050405020304" charset="0"/>
-              <a:cs typeface="Times New Roman" panose="02020603050405020304" charset="0"/>
-            </a:endParaRPr>
-          </a:p>
         </p:txBody>
       </p:sp>
-      <p:pic>
-        <p:nvPicPr>
-          <p:cNvPr id="7" name="图片 6"/>
-          <p:cNvPicPr>
-            <a:picLocks noChangeAspect="1"/>
-          </p:cNvPicPr>
-          <p:nvPr>
-            <p:custDataLst>
-              <p:tags r:id="rId1"/>
-            </p:custDataLst>
-          </p:nvPr>
-        </p:nvPicPr>
-        <p:blipFill>
-          <a:blip r:embed="rId2"/>
-          <a:stretch>
-            <a:fillRect/>
-          </a:stretch>
-        </p:blipFill>
-        <p:spPr>
-          <a:xfrm>
-            <a:off x="779780" y="4755515"/>
-            <a:ext cx="1652905" cy="690880"/>
-          </a:xfrm>
-          <a:prstGeom prst="rect">
-            <a:avLst/>
-          </a:prstGeom>
-        </p:spPr>
-      </p:pic>
-      <p:pic>
-        <p:nvPicPr>
-          <p:cNvPr id="8" name="图片 7"/>
-          <p:cNvPicPr>
-            <a:picLocks noChangeAspect="1"/>
-          </p:cNvPicPr>
-          <p:nvPr>
-            <p:custDataLst>
-              <p:tags r:id="rId3"/>
-            </p:custDataLst>
-          </p:nvPr>
-        </p:nvPicPr>
-        <p:blipFill>
-          <a:blip r:embed="rId4"/>
-          <a:stretch>
-            <a:fillRect/>
-          </a:stretch>
-        </p:blipFill>
-        <p:spPr>
-          <a:xfrm>
-            <a:off x="2611120" y="4792345"/>
-            <a:ext cx="2543175" cy="695325"/>
-          </a:xfrm>
-          <a:prstGeom prst="rect">
-            <a:avLst/>
-          </a:prstGeom>
-        </p:spPr>
-      </p:pic>
-      <p:pic>
-        <p:nvPicPr>
-          <p:cNvPr id="9" name="图片 8"/>
-          <p:cNvPicPr>
-            <a:picLocks noChangeAspect="1"/>
-          </p:cNvPicPr>
-          <p:nvPr>
-            <p:custDataLst>
-              <p:tags r:id="rId5"/>
-            </p:custDataLst>
-          </p:nvPr>
-        </p:nvPicPr>
-        <p:blipFill>
-          <a:blip r:embed="rId6"/>
-          <a:stretch>
-            <a:fillRect/>
-          </a:stretch>
-        </p:blipFill>
-        <p:spPr>
-          <a:xfrm>
-            <a:off x="5448300" y="4869815"/>
-            <a:ext cx="2957830" cy="704850"/>
-          </a:xfrm>
-          <a:prstGeom prst="rect">
-            <a:avLst/>
-          </a:prstGeom>
-        </p:spPr>
-      </p:pic>
     </p:spTree>
   </p:cSld>
   <p:clrMapOvr>
@@ -2115,7 +2059,7 @@
                 <a:latin typeface="Arial" panose="020B0604020202020204"/>
                 <a:cs typeface="Arial" panose="020B0604020202020204"/>
               </a:rPr>
-              <a:t>EXPERIMENTAL RESULTS</a:t>
+              <a:t>Methods</a:t>
             </a:r>
             <a:endParaRPr lang="en-US" sz="2400" b="1" dirty="0">
               <a:latin typeface="Arial" panose="020B0604020202020204"/>
@@ -2169,39 +2113,280 @@
           </a:p>
         </p:txBody>
       </p:sp>
-      <p:pic>
-        <p:nvPicPr>
-          <p:cNvPr id="5" name="图片 4"/>
-          <p:cNvPicPr>
-            <a:picLocks noChangeAspect="1"/>
-          </p:cNvPicPr>
-          <p:nvPr>
-            <p:custDataLst>
-              <p:tags r:id="rId2"/>
-            </p:custDataLst>
-          </p:nvPr>
-        </p:nvPicPr>
-        <p:blipFill>
-          <a:blip r:embed="rId3"/>
-          <a:stretch>
-            <a:fillRect/>
-          </a:stretch>
-        </p:blipFill>
+      <p:sp>
+        <p:nvSpPr>
+          <p:cNvPr id="3" name="文本框 2"/>
+          <p:cNvSpPr txBox="1"/>
+          <p:nvPr/>
+        </p:nvSpPr>
         <p:spPr>
           <a:xfrm>
-            <a:off x="1410970" y="849630"/>
-            <a:ext cx="5847715" cy="4552315"/>
+            <a:off x="421005" y="818515"/>
+            <a:ext cx="8500745" cy="5077460"/>
           </a:xfrm>
           <a:prstGeom prst="rect">
             <a:avLst/>
           </a:prstGeom>
-          <a:ln>
-            <a:solidFill>
-              <a:srgbClr val="000000"/>
-            </a:solidFill>
-          </a:ln>
+          <a:noFill/>
         </p:spPr>
-      </p:pic>
+        <p:txBody>
+          <a:bodyPr wrap="square" rtlCol="0" anchor="t">
+            <a:spAutoFit/>
+          </a:bodyPr>
+          <a:p>
+            <a:r>
+              <a:rPr lang="zh-CN" altLang="en-US" b="1">
+                <a:solidFill>
+                  <a:srgbClr val="000000"/>
+                </a:solidFill>
+                <a:latin typeface="Times New Roman" panose="02020603050405020304" charset="0"/>
+                <a:cs typeface="Times New Roman" panose="02020603050405020304" charset="0"/>
+              </a:rPr>
+              <a:t>The workflow of their proposed </a:t>
+            </a:r>
+            <a:r>
+              <a:rPr lang="zh-CN" altLang="en-US" b="1">
+                <a:ln/>
+                <a:solidFill>
+                  <a:schemeClr val="tx1"/>
+                </a:solidFill>
+                <a:effectLst>
+                  <a:outerShdw blurRad="38100" dist="19050" dir="2700000" algn="tl" rotWithShape="0">
+                    <a:schemeClr val="dk1">
+                      <a:alpha val="40000"/>
+                    </a:schemeClr>
+                  </a:outerShdw>
+                </a:effectLst>
+                <a:latin typeface="Times New Roman" panose="02020603050405020304" charset="0"/>
+                <a:cs typeface="Times New Roman" panose="02020603050405020304" charset="0"/>
+              </a:rPr>
+              <a:t>hybrid multi-task prediction model</a:t>
+            </a:r>
+            <a:r>
+              <a:rPr lang="zh-CN" altLang="en-US" b="1">
+                <a:solidFill>
+                  <a:srgbClr val="000000"/>
+                </a:solidFill>
+                <a:latin typeface="Times New Roman" panose="02020603050405020304" charset="0"/>
+                <a:cs typeface="Times New Roman" panose="02020603050405020304" charset="0"/>
+              </a:rPr>
+              <a:t> is introduced. They used a deep c</a:t>
+            </a:r>
+            <a:r>
+              <a:rPr lang="zh-CN" altLang="en-US" b="1">
+                <a:ln/>
+                <a:solidFill>
+                  <a:schemeClr val="tx1"/>
+                </a:solidFill>
+                <a:effectLst>
+                  <a:outerShdw blurRad="38100" dist="19050" dir="2700000" algn="tl" rotWithShape="0">
+                    <a:schemeClr val="dk1">
+                      <a:alpha val="40000"/>
+                    </a:schemeClr>
+                  </a:outerShdw>
+                </a:effectLst>
+                <a:latin typeface="Times New Roman" panose="02020603050405020304" charset="0"/>
+                <a:cs typeface="Times New Roman" panose="02020603050405020304" charset="0"/>
+              </a:rPr>
+              <a:t>onvolutional neural network</a:t>
+            </a:r>
+            <a:r>
+              <a:rPr lang="zh-CN" altLang="en-US" b="1">
+                <a:solidFill>
+                  <a:srgbClr val="000000"/>
+                </a:solidFill>
+                <a:latin typeface="Times New Roman" panose="02020603050405020304" charset="0"/>
+                <a:cs typeface="Times New Roman" panose="02020603050405020304" charset="0"/>
+              </a:rPr>
+              <a:t> architecture that took well attributes (completion, formation, and fluid properties) as input to predict simulation error, cumulative oil production, and likelihood of well success.</a:t>
+            </a:r>
+            <a:endParaRPr lang="zh-CN" altLang="en-US" b="1">
+              <a:solidFill>
+                <a:srgbClr val="000000"/>
+              </a:solidFill>
+              <a:latin typeface="Times New Roman" panose="02020603050405020304" charset="0"/>
+              <a:cs typeface="Times New Roman" panose="02020603050405020304" charset="0"/>
+            </a:endParaRPr>
+          </a:p>
+          <a:p>
+            <a:endParaRPr lang="zh-CN" altLang="en-US" b="1">
+              <a:solidFill>
+                <a:srgbClr val="000000"/>
+              </a:solidFill>
+              <a:latin typeface="Times New Roman" panose="02020603050405020304" charset="0"/>
+              <a:cs typeface="Times New Roman" panose="02020603050405020304" charset="0"/>
+            </a:endParaRPr>
+          </a:p>
+          <a:p>
+            <a:r>
+              <a:rPr lang="zh-CN" altLang="en-US" b="1">
+                <a:solidFill>
+                  <a:srgbClr val="000000"/>
+                </a:solidFill>
+                <a:latin typeface="Times New Roman" panose="02020603050405020304" charset="0"/>
+                <a:cs typeface="Times New Roman" panose="02020603050405020304" charset="0"/>
+              </a:rPr>
+              <a:t>Through the concept of multi-task learning, they designed a</a:t>
+            </a:r>
+            <a:r>
+              <a:rPr lang="zh-CN" altLang="en-US" b="1">
+                <a:ln/>
+                <a:solidFill>
+                  <a:schemeClr val="tx1"/>
+                </a:solidFill>
+                <a:effectLst>
+                  <a:outerShdw blurRad="38100" dist="19050" dir="2700000" algn="tl" rotWithShape="0">
+                    <a:schemeClr val="dk1">
+                      <a:alpha val="40000"/>
+                    </a:schemeClr>
+                  </a:outerShdw>
+                </a:effectLst>
+                <a:latin typeface="Times New Roman" panose="02020603050405020304" charset="0"/>
+                <a:cs typeface="Times New Roman" panose="02020603050405020304" charset="0"/>
+              </a:rPr>
+              <a:t> statistical prediction model to create shared feature representations for multiple tasks</a:t>
+            </a:r>
+            <a:r>
+              <a:rPr lang="zh-CN" altLang="en-US" b="1">
+                <a:solidFill>
+                  <a:srgbClr val="000000"/>
+                </a:solidFill>
+                <a:latin typeface="Times New Roman" panose="02020603050405020304" charset="0"/>
+                <a:cs typeface="Times New Roman" panose="02020603050405020304" charset="0"/>
+              </a:rPr>
+              <a:t>, thereby improving the model's generalization ability and reducing the expensive cost of data collection and curation.</a:t>
+            </a:r>
+            <a:endParaRPr lang="zh-CN" altLang="en-US" b="1">
+              <a:solidFill>
+                <a:srgbClr val="000000"/>
+              </a:solidFill>
+              <a:latin typeface="Times New Roman" panose="02020603050405020304" charset="0"/>
+              <a:cs typeface="Times New Roman" panose="02020603050405020304" charset="0"/>
+            </a:endParaRPr>
+          </a:p>
+          <a:p>
+            <a:endParaRPr lang="zh-CN" altLang="en-US" b="1">
+              <a:solidFill>
+                <a:srgbClr val="000000"/>
+              </a:solidFill>
+              <a:latin typeface="Times New Roman" panose="02020603050405020304" charset="0"/>
+              <a:cs typeface="Times New Roman" panose="02020603050405020304" charset="0"/>
+            </a:endParaRPr>
+          </a:p>
+          <a:p>
+            <a:r>
+              <a:rPr lang="zh-CN" altLang="en-US" b="1">
+                <a:solidFill>
+                  <a:srgbClr val="000000"/>
+                </a:solidFill>
+                <a:latin typeface="Times New Roman" panose="02020603050405020304" charset="0"/>
+                <a:cs typeface="Times New Roman" panose="02020603050405020304" charset="0"/>
+              </a:rPr>
+              <a:t>approach accounts for </a:t>
+            </a:r>
+            <a:r>
+              <a:rPr lang="zh-CN" altLang="en-US" b="1">
+                <a:ln/>
+                <a:solidFill>
+                  <a:schemeClr val="tx1"/>
+                </a:solidFill>
+                <a:effectLst>
+                  <a:outerShdw blurRad="38100" dist="19050" dir="2700000" algn="tl" rotWithShape="0">
+                    <a:schemeClr val="dk1">
+                      <a:alpha val="40000"/>
+                    </a:schemeClr>
+                  </a:outerShdw>
+                </a:effectLst>
+                <a:latin typeface="Times New Roman" panose="02020603050405020304" charset="0"/>
+                <a:cs typeface="Times New Roman" panose="02020603050405020304" charset="0"/>
+              </a:rPr>
+              <a:t>prediction errors by correcting production curves obtained from a physical simulator</a:t>
+            </a:r>
+            <a:r>
+              <a:rPr lang="zh-CN" altLang="en-US" b="1">
+                <a:solidFill>
+                  <a:srgbClr val="000000"/>
+                </a:solidFill>
+                <a:latin typeface="Times New Roman" panose="02020603050405020304" charset="0"/>
+                <a:cs typeface="Times New Roman" panose="02020603050405020304" charset="0"/>
+              </a:rPr>
+              <a:t>, thereby providing a reliable diagnostic tool for understanding well performance under different well properties.</a:t>
+            </a:r>
+            <a:endParaRPr lang="zh-CN" altLang="en-US" b="1">
+              <a:solidFill>
+                <a:srgbClr val="000000"/>
+              </a:solidFill>
+              <a:latin typeface="Times New Roman" panose="02020603050405020304" charset="0"/>
+              <a:cs typeface="Times New Roman" panose="02020603050405020304" charset="0"/>
+            </a:endParaRPr>
+          </a:p>
+          <a:p>
+            <a:endParaRPr lang="zh-CN" altLang="en-US" b="1">
+              <a:solidFill>
+                <a:srgbClr val="000000"/>
+              </a:solidFill>
+              <a:latin typeface="Times New Roman" panose="02020603050405020304" charset="0"/>
+              <a:cs typeface="Times New Roman" panose="02020603050405020304" charset="0"/>
+            </a:endParaRPr>
+          </a:p>
+          <a:p>
+            <a:r>
+              <a:rPr lang="zh-CN" altLang="en-US" b="1">
+                <a:solidFill>
+                  <a:srgbClr val="000000"/>
+                </a:solidFill>
+                <a:latin typeface="Times New Roman" panose="02020603050405020304" charset="0"/>
+                <a:cs typeface="Times New Roman" panose="02020603050405020304" charset="0"/>
+              </a:rPr>
+              <a:t>approach was tested on field data from the Bakken Shale Play in North Dakota, using simulated production response data obtained from a physics simulator, and a deep learning architecture jointly</a:t>
+            </a:r>
+            <a:r>
+              <a:rPr lang="zh-CN" altLang="en-US" b="1">
+                <a:ln/>
+                <a:solidFill>
+                  <a:schemeClr val="tx1"/>
+                </a:solidFill>
+                <a:effectLst>
+                  <a:outerShdw blurRad="38100" dist="19050" dir="2700000" algn="tl" rotWithShape="0">
+                    <a:schemeClr val="dk1">
+                      <a:alpha val="40000"/>
+                    </a:schemeClr>
+                  </a:outerShdw>
+                </a:effectLst>
+                <a:latin typeface="Times New Roman" panose="02020603050405020304" charset="0"/>
+                <a:cs typeface="Times New Roman" panose="02020603050405020304" charset="0"/>
+              </a:rPr>
+              <a:t> trained with field and simulated data</a:t>
+            </a:r>
+            <a:r>
+              <a:rPr lang="zh-CN" altLang="en-US" b="1">
+                <a:solidFill>
+                  <a:srgbClr val="000000"/>
+                </a:solidFill>
+                <a:latin typeface="Times New Roman" panose="02020603050405020304" charset="0"/>
+                <a:cs typeface="Times New Roman" panose="02020603050405020304" charset="0"/>
+              </a:rPr>
+              <a:t>.</a:t>
+            </a:r>
+            <a:endParaRPr lang="zh-CN" altLang="en-US" b="1">
+              <a:solidFill>
+                <a:srgbClr val="000000"/>
+              </a:solidFill>
+              <a:latin typeface="Times New Roman" panose="02020603050405020304" charset="0"/>
+              <a:cs typeface="Times New Roman" panose="02020603050405020304" charset="0"/>
+            </a:endParaRPr>
+          </a:p>
+          <a:p>
+            <a:endParaRPr lang="zh-CN" altLang="en-US" b="1">
+              <a:solidFill>
+                <a:srgbClr val="000000"/>
+              </a:solidFill>
+              <a:latin typeface="Times New Roman" panose="02020603050405020304" charset="0"/>
+              <a:cs typeface="Times New Roman" panose="02020603050405020304" charset="0"/>
+            </a:endParaRPr>
+          </a:p>
+        </p:txBody>
+      </p:sp>
     </p:spTree>
   </p:cSld>
   <p:clrMapOvr>
@@ -2220,442 +2405,6 @@
         <p:nvPr/>
       </p:nvGrpSpPr>
       <p:grpSpPr/>
-      <p:sp>
-        <p:nvSpPr>
-          <p:cNvPr id="5" name="文本框 4"/>
-          <p:cNvSpPr txBox="1"/>
-          <p:nvPr>
-            <p:custDataLst>
-              <p:tags r:id="rId1"/>
-            </p:custDataLst>
-          </p:nvPr>
-        </p:nvSpPr>
-        <p:spPr>
-          <a:xfrm>
-            <a:off x="200660" y="258445"/>
-            <a:ext cx="6028690" cy="460375"/>
-          </a:xfrm>
-          <a:prstGeom prst="rect">
-            <a:avLst/>
-          </a:prstGeom>
-          <a:noFill/>
-        </p:spPr>
-        <p:txBody>
-          <a:bodyPr wrap="square" rtlCol="0" anchor="t">
-            <a:spAutoFit/>
-          </a:bodyPr>
-          <a:p>
-            <a:pPr lvl="0">
-              <a:spcBef>
-                <a:spcPct val="0"/>
-              </a:spcBef>
-              <a:defRPr/>
-            </a:pPr>
-            <a:r>
-              <a:rPr lang="en-US" sz="2400" b="1" dirty="0">
-                <a:latin typeface="Arial" panose="020B0604020202020204"/>
-                <a:cs typeface="Arial" panose="020B0604020202020204"/>
-                <a:sym typeface="+mn-ea"/>
-              </a:rPr>
-              <a:t>HARDWARE DESIGN </a:t>
-            </a:r>
-            <a:endParaRPr lang="en-US" sz="2400" b="1" dirty="0">
-              <a:latin typeface="Arial" panose="020B0604020202020204"/>
-              <a:cs typeface="Arial" panose="020B0604020202020204"/>
-              <a:sym typeface="+mn-ea"/>
-            </a:endParaRPr>
-          </a:p>
-        </p:txBody>
-      </p:sp>
-      <p:sp>
-        <p:nvSpPr>
-          <p:cNvPr id="4" name="文本框 3"/>
-          <p:cNvSpPr txBox="1"/>
-          <p:nvPr/>
-        </p:nvSpPr>
-        <p:spPr>
-          <a:xfrm>
-            <a:off x="353060" y="847725"/>
-            <a:ext cx="8237220" cy="922020"/>
-          </a:xfrm>
-          <a:prstGeom prst="rect">
-            <a:avLst/>
-          </a:prstGeom>
-          <a:noFill/>
-        </p:spPr>
-        <p:txBody>
-          <a:bodyPr wrap="square" rtlCol="0" anchor="t">
-            <a:spAutoFit/>
-          </a:bodyPr>
-          <a:p>
-            <a:r>
-              <a:rPr lang="en-US" altLang="zh-CN" b="1">
-                <a:effectLst>
-                  <a:outerShdw blurRad="38100" dist="19050" dir="2700000" algn="tl" rotWithShape="0">
-                    <a:schemeClr val="dk1">
-                      <a:alpha val="40000"/>
-                    </a:schemeClr>
-                  </a:outerShdw>
-                </a:effectLst>
-                <a:latin typeface="Times New Roman" panose="02020603050405020304" charset="0"/>
-                <a:cs typeface="Times New Roman" panose="02020603050405020304" charset="0"/>
-                <a:sym typeface="+mn-ea"/>
-              </a:rPr>
-              <a:t>Highlights from what I read</a:t>
-            </a:r>
-            <a:r>
-              <a:rPr lang="zh-CN" altLang="en-US" b="1">
-                <a:effectLst>
-                  <a:outerShdw blurRad="38100" dist="19050" dir="2700000" algn="tl" rotWithShape="0">
-                    <a:schemeClr val="dk1">
-                      <a:alpha val="40000"/>
-                    </a:schemeClr>
-                  </a:outerShdw>
-                </a:effectLst>
-                <a:latin typeface="Times New Roman" panose="02020603050405020304" charset="0"/>
-                <a:cs typeface="Times New Roman" panose="02020603050405020304" charset="0"/>
-                <a:sym typeface="+mn-ea"/>
-              </a:rPr>
-              <a:t>：</a:t>
-            </a:r>
-            <a:endParaRPr lang="zh-CN" altLang="en-US" b="1">
-              <a:solidFill>
-                <a:schemeClr val="tx1"/>
-              </a:solidFill>
-              <a:effectLst>
-                <a:outerShdw blurRad="38100" dist="19050" dir="2700000" algn="tl" rotWithShape="0">
-                  <a:schemeClr val="dk1">
-                    <a:alpha val="40000"/>
-                  </a:schemeClr>
-                </a:outerShdw>
-              </a:effectLst>
-              <a:latin typeface="Times New Roman" panose="02020603050405020304" charset="0"/>
-              <a:cs typeface="Times New Roman" panose="02020603050405020304" charset="0"/>
-              <a:sym typeface="+mn-ea"/>
-            </a:endParaRPr>
-          </a:p>
-          <a:p>
-            <a:endParaRPr lang="zh-CN" altLang="en-US" b="1">
-              <a:solidFill>
-                <a:schemeClr val="tx1"/>
-              </a:solidFill>
-              <a:effectLst>
-                <a:outerShdw blurRad="38100" dist="19050" dir="2700000" algn="tl" rotWithShape="0">
-                  <a:schemeClr val="dk1">
-                    <a:alpha val="40000"/>
-                  </a:schemeClr>
-                </a:outerShdw>
-              </a:effectLst>
-              <a:latin typeface="Times New Roman" panose="02020603050405020304" charset="0"/>
-              <a:cs typeface="Times New Roman" panose="02020603050405020304" charset="0"/>
-              <a:sym typeface="+mn-ea"/>
-            </a:endParaRPr>
-          </a:p>
-          <a:p>
-            <a:endParaRPr b="1">
-              <a:solidFill>
-                <a:srgbClr val="000000"/>
-              </a:solidFill>
-              <a:effectLst>
-                <a:outerShdw blurRad="38100" dist="19050" dir="2700000" algn="tl" rotWithShape="0">
-                  <a:schemeClr val="dk1">
-                    <a:alpha val="40000"/>
-                  </a:schemeClr>
-                </a:outerShdw>
-              </a:effectLst>
-              <a:latin typeface="Times New Roman" panose="02020603050405020304" charset="0"/>
-              <a:cs typeface="Times New Roman" panose="02020603050405020304" charset="0"/>
-              <a:sym typeface="+mn-ea"/>
-            </a:endParaRPr>
-          </a:p>
-        </p:txBody>
-      </p:sp>
-      <p:pic>
-        <p:nvPicPr>
-          <p:cNvPr id="3" name="图片 2"/>
-          <p:cNvPicPr>
-            <a:picLocks noChangeAspect="1"/>
-          </p:cNvPicPr>
-          <p:nvPr>
-            <p:custDataLst>
-              <p:tags r:id="rId2"/>
-            </p:custDataLst>
-          </p:nvPr>
-        </p:nvPicPr>
-        <p:blipFill>
-          <a:blip r:embed="rId3"/>
-          <a:stretch>
-            <a:fillRect/>
-          </a:stretch>
-        </p:blipFill>
-        <p:spPr>
-          <a:xfrm>
-            <a:off x="3843655" y="718820"/>
-            <a:ext cx="4429760" cy="3503930"/>
-          </a:xfrm>
-          <a:prstGeom prst="rect">
-            <a:avLst/>
-          </a:prstGeom>
-        </p:spPr>
-      </p:pic>
-      <p:sp>
-        <p:nvSpPr>
-          <p:cNvPr id="7" name="文本框 6"/>
-          <p:cNvSpPr txBox="1"/>
-          <p:nvPr/>
-        </p:nvSpPr>
-        <p:spPr>
-          <a:xfrm>
-            <a:off x="276225" y="1402080"/>
-            <a:ext cx="3567430" cy="3162935"/>
-          </a:xfrm>
-          <a:prstGeom prst="rect">
-            <a:avLst/>
-          </a:prstGeom>
-          <a:noFill/>
-        </p:spPr>
-        <p:txBody>
-          <a:bodyPr wrap="square" rtlCol="0" anchor="t">
-            <a:noAutofit/>
-          </a:bodyPr>
-          <a:p>
-            <a:r>
-              <a:rPr lang="zh-CN" altLang="en-US" b="1">
-                <a:solidFill>
-                  <a:srgbClr val="000000"/>
-                </a:solidFill>
-                <a:latin typeface="Times New Roman" panose="02020603050405020304" charset="0"/>
-                <a:cs typeface="Times New Roman" panose="02020603050405020304" charset="0"/>
-              </a:rPr>
-              <a:t>Hierarchical partitioning was designed to be easily implemented on FPGAs without floating-point numbers. </a:t>
-            </a:r>
-            <a:r>
-              <a:rPr lang="en-US" altLang="zh-CN" b="1">
-                <a:solidFill>
-                  <a:srgbClr val="000000"/>
-                </a:solidFill>
-                <a:latin typeface="Times New Roman" panose="02020603050405020304" charset="0"/>
-                <a:cs typeface="Times New Roman" panose="02020603050405020304" charset="0"/>
-              </a:rPr>
-              <a:t> </a:t>
-            </a:r>
-            <a:r>
-              <a:rPr lang="zh-CN" altLang="en-US" b="1">
-                <a:solidFill>
-                  <a:srgbClr val="000000"/>
-                </a:solidFill>
-                <a:latin typeface="Times New Roman" panose="02020603050405020304" charset="0"/>
-                <a:cs typeface="Times New Roman" panose="02020603050405020304" charset="0"/>
-              </a:rPr>
-              <a:t>FPGAs can be used to implement floating point</a:t>
-            </a:r>
-            <a:r>
-              <a:rPr lang="en-US" altLang="zh-CN" b="1">
-                <a:solidFill>
-                  <a:srgbClr val="000000"/>
-                </a:solidFill>
-                <a:latin typeface="Times New Roman" panose="02020603050405020304" charset="0"/>
-                <a:cs typeface="Times New Roman" panose="02020603050405020304" charset="0"/>
-              </a:rPr>
-              <a:t> </a:t>
-            </a:r>
-            <a:r>
-              <a:rPr lang="zh-CN" altLang="en-US" b="1">
-                <a:solidFill>
-                  <a:srgbClr val="000000"/>
-                </a:solidFill>
-                <a:latin typeface="Times New Roman" panose="02020603050405020304" charset="0"/>
-                <a:cs typeface="Times New Roman" panose="02020603050405020304" charset="0"/>
-              </a:rPr>
-              <a:t>calculations, however the amount of resources needed to implement floating point arithmetic can</a:t>
-            </a:r>
-            <a:r>
-              <a:rPr lang="en-US" altLang="zh-CN" b="1">
-                <a:solidFill>
-                  <a:srgbClr val="000000"/>
-                </a:solidFill>
-                <a:latin typeface="Times New Roman" panose="02020603050405020304" charset="0"/>
-                <a:cs typeface="Times New Roman" panose="02020603050405020304" charset="0"/>
-              </a:rPr>
-              <a:t> </a:t>
-            </a:r>
-            <a:r>
-              <a:rPr lang="zh-CN" altLang="en-US" b="1">
-                <a:solidFill>
-                  <a:srgbClr val="000000"/>
-                </a:solidFill>
-                <a:latin typeface="Times New Roman" panose="02020603050405020304" charset="0"/>
-                <a:cs typeface="Times New Roman" panose="02020603050405020304" charset="0"/>
-              </a:rPr>
-              <a:t>reduce the amount of parallelism available.</a:t>
-            </a:r>
-            <a:endParaRPr lang="zh-CN" altLang="en-US" b="1">
-              <a:solidFill>
-                <a:srgbClr val="000000"/>
-              </a:solidFill>
-              <a:latin typeface="Times New Roman" panose="02020603050405020304" charset="0"/>
-              <a:cs typeface="Times New Roman" panose="02020603050405020304" charset="0"/>
-            </a:endParaRPr>
-          </a:p>
-        </p:txBody>
-      </p:sp>
-      <p:sp>
-        <p:nvSpPr>
-          <p:cNvPr id="8" name="文本框 7"/>
-          <p:cNvSpPr txBox="1"/>
-          <p:nvPr/>
-        </p:nvSpPr>
-        <p:spPr>
-          <a:xfrm>
-            <a:off x="200660" y="4196715"/>
-            <a:ext cx="4572000" cy="368300"/>
-          </a:xfrm>
-          <a:prstGeom prst="rect">
-            <a:avLst/>
-          </a:prstGeom>
-          <a:noFill/>
-        </p:spPr>
-        <p:txBody>
-          <a:bodyPr wrap="square" rtlCol="0" anchor="t">
-            <a:spAutoFit/>
-          </a:bodyPr>
-          <a:p>
-            <a:r>
-              <a:rPr lang="zh-CN" altLang="en-US" b="1">
-                <a:ln/>
-                <a:solidFill>
-                  <a:schemeClr val="tx1"/>
-                </a:solidFill>
-                <a:effectLst>
-                  <a:outerShdw blurRad="38100" dist="19050" dir="2700000" algn="tl" rotWithShape="0">
-                    <a:schemeClr val="dk1">
-                      <a:alpha val="40000"/>
-                    </a:schemeClr>
-                  </a:outerShdw>
-                </a:effectLst>
-              </a:rPr>
-              <a:t>STREAMING HIERARCHICAL PARTITIONING</a:t>
-            </a:r>
-            <a:endParaRPr lang="zh-CN" altLang="en-US" b="1">
-              <a:ln/>
-              <a:solidFill>
-                <a:schemeClr val="tx1"/>
-              </a:solidFill>
-              <a:effectLst>
-                <a:outerShdw blurRad="38100" dist="19050" dir="2700000" algn="tl" rotWithShape="0">
-                  <a:schemeClr val="dk1">
-                    <a:alpha val="40000"/>
-                  </a:schemeClr>
-                </a:outerShdw>
-              </a:effectLst>
-            </a:endParaRPr>
-          </a:p>
-        </p:txBody>
-      </p:sp>
-      <p:sp>
-        <p:nvSpPr>
-          <p:cNvPr id="9" name="文本框 8"/>
-          <p:cNvSpPr txBox="1"/>
-          <p:nvPr/>
-        </p:nvSpPr>
-        <p:spPr>
-          <a:xfrm>
-            <a:off x="200660" y="4603115"/>
-            <a:ext cx="8750300" cy="1198880"/>
-          </a:xfrm>
-          <a:prstGeom prst="rect">
-            <a:avLst/>
-          </a:prstGeom>
-          <a:noFill/>
-        </p:spPr>
-        <p:txBody>
-          <a:bodyPr wrap="square" rtlCol="0">
-            <a:spAutoFit/>
-          </a:bodyPr>
-          <a:p>
-            <a:r>
-              <a:rPr lang="zh-CN" altLang="en-US" b="1">
-                <a:solidFill>
-                  <a:srgbClr val="000000"/>
-                </a:solidFill>
-                <a:latin typeface="Times New Roman" panose="02020603050405020304" charset="0"/>
-                <a:cs typeface="Times New Roman" panose="02020603050405020304" charset="0"/>
-              </a:rPr>
-              <a:t>How to apply hierarchical partitioning clustering methods to handle evolving document streams. This method assumes that the collection of documents to be clustered is infinite and that the documents are presented one after another in sequence and need to be dynamically integrated into the current concept hierarchy.</a:t>
-            </a:r>
-            <a:endParaRPr lang="zh-CN" altLang="en-US" b="1">
-              <a:solidFill>
-                <a:srgbClr val="000000"/>
-              </a:solidFill>
-              <a:latin typeface="Times New Roman" panose="02020603050405020304" charset="0"/>
-              <a:cs typeface="Times New Roman" panose="02020603050405020304" charset="0"/>
-            </a:endParaRPr>
-          </a:p>
-        </p:txBody>
-      </p:sp>
-    </p:spTree>
-  </p:cSld>
-  <p:clrMapOvr>
-    <a:masterClrMapping/>
-  </p:clrMapOvr>
-</p:sld>
-</file>
-
-<file path=ppt/slides/slide5.xml><?xml version="1.0" encoding="utf-8"?>
-<p:sld xmlns:a="http://schemas.openxmlformats.org/drawingml/2006/main" xmlns:r="http://schemas.openxmlformats.org/officeDocument/2006/relationships" xmlns:p="http://schemas.openxmlformats.org/presentationml/2006/main">
-  <p:cSld>
-    <p:spTree>
-      <p:nvGrpSpPr>
-        <p:cNvPr id="1" name=""/>
-        <p:cNvGrpSpPr/>
-        <p:nvPr/>
-      </p:nvGrpSpPr>
-      <p:grpSpPr/>
-      <p:sp>
-        <p:nvSpPr>
-          <p:cNvPr id="4" name="文本框 3"/>
-          <p:cNvSpPr txBox="1"/>
-          <p:nvPr/>
-        </p:nvSpPr>
-        <p:spPr>
-          <a:xfrm>
-            <a:off x="686435" y="2552065"/>
-            <a:ext cx="7777480" cy="368300"/>
-          </a:xfrm>
-          <a:prstGeom prst="rect">
-            <a:avLst/>
-          </a:prstGeom>
-          <a:noFill/>
-        </p:spPr>
-        <p:txBody>
-          <a:bodyPr wrap="square" rtlCol="0" anchor="t">
-            <a:spAutoFit/>
-          </a:bodyPr>
-          <a:p>
-            <a:r>
-              <a:rPr lang="zh-CN" altLang="en-US" b="1">
-                <a:solidFill>
-                  <a:schemeClr val="bg2">
-                    <a:lumMod val="10000"/>
-                  </a:schemeClr>
-                </a:solidFill>
-                <a:latin typeface="Times New Roman" panose="02020603050405020304" charset="0"/>
-                <a:cs typeface="Times New Roman" panose="02020603050405020304" charset="0"/>
-              </a:rPr>
-              <a:t> </a:t>
-            </a:r>
-            <a:endParaRPr lang="zh-CN" altLang="en-US" b="1">
-              <a:solidFill>
-                <a:schemeClr val="bg2">
-                  <a:lumMod val="10000"/>
-                </a:schemeClr>
-              </a:solidFill>
-              <a:latin typeface="Times New Roman" panose="02020603050405020304" charset="0"/>
-              <a:cs typeface="Times New Roman" panose="02020603050405020304" charset="0"/>
-            </a:endParaRPr>
-          </a:p>
-        </p:txBody>
-      </p:sp>
       <p:sp>
         <p:nvSpPr>
           <p:cNvPr id="7" name="文本框 6"/>
@@ -2693,7 +2442,7 @@
                 <a:cs typeface="Arial" panose="020B0604020202020204"/>
                 <a:sym typeface="+mn-ea"/>
               </a:rPr>
-              <a:t>STREAMING EXPERIMENTAL RESULTS</a:t>
+              <a:t>RESULTS</a:t>
             </a:r>
             <a:endParaRPr lang="en-US" sz="2400" b="1" dirty="0">
               <a:latin typeface="Arial" panose="020B0604020202020204"/>
@@ -2703,124 +2452,9 @@
           </a:p>
         </p:txBody>
       </p:sp>
-      <p:sp>
-        <p:nvSpPr>
-          <p:cNvPr id="8" name="文本框 7"/>
-          <p:cNvSpPr txBox="1"/>
-          <p:nvPr/>
-        </p:nvSpPr>
-        <p:spPr>
-          <a:xfrm>
-            <a:off x="196215" y="890270"/>
-            <a:ext cx="8588375" cy="3138170"/>
-          </a:xfrm>
-          <a:prstGeom prst="rect">
-            <a:avLst/>
-          </a:prstGeom>
-          <a:noFill/>
-        </p:spPr>
-        <p:txBody>
-          <a:bodyPr wrap="square" rtlCol="0" anchor="t">
-            <a:spAutoFit/>
-          </a:bodyPr>
-          <a:p>
-            <a:r>
-              <a:rPr lang="zh-CN" altLang="en-US" b="1">
-                <a:solidFill>
-                  <a:srgbClr val="000000"/>
-                </a:solidFill>
-                <a:latin typeface="Times New Roman" panose="02020603050405020304" charset="0"/>
-                <a:cs typeface="Times New Roman" panose="02020603050405020304" charset="0"/>
-              </a:rPr>
-              <a:t>The experimental results are based on news group data and simulate concept drift according to the designed scheme.</a:t>
-            </a:r>
-            <a:endParaRPr lang="zh-CN" altLang="en-US" b="1">
-              <a:solidFill>
-                <a:srgbClr val="000000"/>
-              </a:solidFill>
-              <a:latin typeface="Times New Roman" panose="02020603050405020304" charset="0"/>
-              <a:cs typeface="Times New Roman" panose="02020603050405020304" charset="0"/>
-            </a:endParaRPr>
-          </a:p>
-          <a:p>
-            <a:r>
-              <a:rPr lang="zh-CN" altLang="en-US" b="1">
-                <a:solidFill>
-                  <a:srgbClr val="000000"/>
-                </a:solidFill>
-                <a:latin typeface="Times New Roman" panose="02020603050405020304" charset="0"/>
-                <a:cs typeface="Times New Roman" panose="02020603050405020304" charset="0"/>
-              </a:rPr>
-              <a:t>Documents are randomly shuffled, but only half of the newsgroups' documents are initially presented. After even spacing, a newsgroup is gradually introduced into the distribution (thus gradually reducing the density of old newsgroups).</a:t>
-            </a:r>
-            <a:endParaRPr lang="zh-CN" altLang="en-US" b="1">
-              <a:solidFill>
-                <a:srgbClr val="000000"/>
-              </a:solidFill>
-              <a:latin typeface="Times New Roman" panose="02020603050405020304" charset="0"/>
-              <a:cs typeface="Times New Roman" panose="02020603050405020304" charset="0"/>
-            </a:endParaRPr>
-          </a:p>
-          <a:p>
-            <a:r>
-              <a:rPr lang="zh-CN" altLang="en-US" b="1">
-                <a:solidFill>
-                  <a:srgbClr val="000000"/>
-                </a:solidFill>
-                <a:latin typeface="Times New Roman" panose="02020603050405020304" charset="0"/>
-                <a:cs typeface="Times New Roman" panose="02020603050405020304" charset="0"/>
-              </a:rPr>
-              <a:t>Uniformly distributed noise data from the experiment (chaff).</a:t>
-            </a:r>
-            <a:endParaRPr lang="zh-CN" altLang="en-US" b="1">
-              <a:solidFill>
-                <a:srgbClr val="000000"/>
-              </a:solidFill>
-              <a:latin typeface="Times New Roman" panose="02020603050405020304" charset="0"/>
-              <a:cs typeface="Times New Roman" panose="02020603050405020304" charset="0"/>
-            </a:endParaRPr>
-          </a:p>
-          <a:p>
-            <a:r>
-              <a:rPr lang="zh-CN" altLang="en-US" b="1">
-                <a:solidFill>
-                  <a:srgbClr val="000000"/>
-                </a:solidFill>
-                <a:latin typeface="Times New Roman" panose="02020603050405020304" charset="0"/>
-                <a:cs typeface="Times New Roman" panose="02020603050405020304" charset="0"/>
-              </a:rPr>
-              <a:t>The ground-truth data from the experiment are displayed through charts to visualize the concept drift.</a:t>
-            </a:r>
-            <a:endParaRPr lang="zh-CN" altLang="en-US" b="1">
-              <a:solidFill>
-                <a:srgbClr val="000000"/>
-              </a:solidFill>
-              <a:latin typeface="Times New Roman" panose="02020603050405020304" charset="0"/>
-              <a:cs typeface="Times New Roman" panose="02020603050405020304" charset="0"/>
-            </a:endParaRPr>
-          </a:p>
-          <a:p>
-            <a:r>
-              <a:rPr lang="zh-CN" altLang="en-US" b="1">
-                <a:solidFill>
-                  <a:srgbClr val="000000"/>
-                </a:solidFill>
-                <a:latin typeface="Times New Roman" panose="02020603050405020304" charset="0"/>
-                <a:cs typeface="Times New Roman" panose="02020603050405020304" charset="0"/>
-              </a:rPr>
-              <a:t>These experimental results demonstrate the performance of the streaming hierarchical partitioning clustering algorithm in handling simulated concept drift on newsgroup data</a:t>
-            </a:r>
-            <a:r>
-              <a:rPr lang="zh-CN" altLang="en-US"/>
-              <a:t>.</a:t>
-            </a:r>
-            <a:endParaRPr lang="zh-CN" altLang="en-US"/>
-          </a:p>
-        </p:txBody>
-      </p:sp>
       <p:pic>
         <p:nvPicPr>
-          <p:cNvPr id="9" name="图片 8"/>
+          <p:cNvPr id="2" name="图片 1"/>
           <p:cNvPicPr>
             <a:picLocks noChangeAspect="1"/>
           </p:cNvPicPr>
@@ -2838,8 +2472,8 @@
         </p:blipFill>
         <p:spPr>
           <a:xfrm>
-            <a:off x="2520950" y="3928110"/>
-            <a:ext cx="2140585" cy="1594485"/>
+            <a:off x="396240" y="1017905"/>
+            <a:ext cx="4439920" cy="4149090"/>
           </a:xfrm>
           <a:prstGeom prst="rect">
             <a:avLst/>
@@ -2853,7 +2487,7 @@
       </p:pic>
       <p:pic>
         <p:nvPicPr>
-          <p:cNvPr id="10" name="图片 9"/>
+          <p:cNvPr id="3" name="图片 2"/>
           <p:cNvPicPr>
             <a:picLocks noChangeAspect="1"/>
           </p:cNvPicPr>
@@ -2871,8 +2505,8 @@
         </p:blipFill>
         <p:spPr>
           <a:xfrm>
-            <a:off x="5251450" y="3928110"/>
-            <a:ext cx="1988185" cy="1604645"/>
+            <a:off x="4458970" y="1032510"/>
+            <a:ext cx="4467860" cy="4181475"/>
           </a:xfrm>
           <a:prstGeom prst="rect">
             <a:avLst/>
@@ -2892,7 +2526,7 @@
 </p:sld>
 </file>
 
-<file path=ppt/slides/slide6.xml><?xml version="1.0" encoding="utf-8"?>
+<file path=ppt/slides/slide5.xml><?xml version="1.0" encoding="utf-8"?>
 <p:sld xmlns:a="http://schemas.openxmlformats.org/drawingml/2006/main" xmlns:r="http://schemas.openxmlformats.org/officeDocument/2006/relationships" xmlns:p="http://schemas.openxmlformats.org/presentationml/2006/main">
   <p:cSld>
     <p:spTree>
@@ -2935,7 +2569,7 @@
                 <a:cs typeface="Arial" panose="020B0604020202020204"/>
                 <a:sym typeface="+mn-ea"/>
               </a:rPr>
-              <a:t>CONCLUSION</a:t>
+              <a:t>Discussions and Conclusions</a:t>
             </a:r>
             <a:endParaRPr lang="en-US" sz="2400" b="1" dirty="0">
               <a:latin typeface="Arial" panose="020B0604020202020204"/>
@@ -3035,7 +2669,155 @@
                 <a:cs typeface="Times New Roman" panose="02020603050405020304" charset="0"/>
                 <a:sym typeface="+mn-ea"/>
               </a:rPr>
-              <a:t>The algorithms are designed to be implemented in hardware and capable of handling extremely high data ingestion rates. Experimental results show that the non-naive streaming hierarchical partitioning clustering method outperforms the naive variant in concept discovery. Future work will focus on integrating clustering into classification systems</a:t>
+              <a:t>It is emphasized that deep learning prediction models combine the</a:t>
+            </a:r>
+            <a:r>
+              <a:rPr lang="zh-CN" altLang="en-US" b="1">
+                <a:ln/>
+                <a:solidFill>
+                  <a:schemeClr val="tx1"/>
+                </a:solidFill>
+                <a:effectLst>
+                  <a:outerShdw blurRad="38100" dist="19050" dir="2700000" algn="tl" rotWithShape="0">
+                    <a:schemeClr val="dk1">
+                      <a:alpha val="40000"/>
+                    </a:schemeClr>
+                  </a:outerShdw>
+                </a:effectLst>
+                <a:latin typeface="Times New Roman" panose="02020603050405020304" charset="0"/>
+                <a:cs typeface="Times New Roman" panose="02020603050405020304" charset="0"/>
+                <a:sym typeface="+mn-ea"/>
+              </a:rPr>
+              <a:t> advantages of data-driven methods and physics-based methods</a:t>
+            </a:r>
+            <a:r>
+              <a:rPr lang="zh-CN" altLang="en-US" b="1">
+                <a:solidFill>
+                  <a:srgbClr val="000000"/>
+                </a:solidFill>
+                <a:effectLst>
+                  <a:outerShdw blurRad="38100" dist="19050" dir="2700000" algn="tl" rotWithShape="0">
+                    <a:schemeClr val="dk1">
+                      <a:alpha val="40000"/>
+                    </a:schemeClr>
+                  </a:outerShdw>
+                </a:effectLst>
+                <a:latin typeface="Times New Roman" panose="02020603050405020304" charset="0"/>
+                <a:cs typeface="Times New Roman" panose="02020603050405020304" charset="0"/>
+                <a:sym typeface="+mn-ea"/>
+              </a:rPr>
+              <a:t>, and are able to learn the differences between </a:t>
+            </a:r>
+            <a:r>
+              <a:rPr lang="zh-CN" altLang="en-US" b="1">
+                <a:ln/>
+                <a:solidFill>
+                  <a:schemeClr val="tx1"/>
+                </a:solidFill>
+                <a:effectLst>
+                  <a:outerShdw blurRad="38100" dist="19050" dir="2700000" algn="tl" rotWithShape="0">
+                    <a:schemeClr val="dk1">
+                      <a:alpha val="40000"/>
+                    </a:schemeClr>
+                  </a:outerShdw>
+                </a:effectLst>
+                <a:latin typeface="Times New Roman" panose="02020603050405020304" charset="0"/>
+                <a:cs typeface="Times New Roman" panose="02020603050405020304" charset="0"/>
+                <a:sym typeface="+mn-ea"/>
+              </a:rPr>
+              <a:t>simulated and observed production data</a:t>
+            </a:r>
+            <a:r>
+              <a:rPr lang="zh-CN" altLang="en-US" b="1">
+                <a:solidFill>
+                  <a:srgbClr val="000000"/>
+                </a:solidFill>
+                <a:effectLst>
+                  <a:outerShdw blurRad="38100" dist="19050" dir="2700000" algn="tl" rotWithShape="0">
+                    <a:schemeClr val="dk1">
+                      <a:alpha val="40000"/>
+                    </a:schemeClr>
+                  </a:outerShdw>
+                </a:effectLst>
+                <a:latin typeface="Times New Roman" panose="02020603050405020304" charset="0"/>
+                <a:cs typeface="Times New Roman" panose="02020603050405020304" charset="0"/>
+                <a:sym typeface="+mn-ea"/>
+              </a:rPr>
+              <a:t>, thereby improving the accuracy of simulated predictions. Through the concept of </a:t>
+            </a:r>
+            <a:r>
+              <a:rPr lang="zh-CN" altLang="en-US" b="1">
+                <a:ln/>
+                <a:solidFill>
+                  <a:schemeClr val="tx1"/>
+                </a:solidFill>
+                <a:effectLst>
+                  <a:outerShdw blurRad="38100" dist="19050" dir="2700000" algn="tl" rotWithShape="0">
+                    <a:schemeClr val="dk1">
+                      <a:alpha val="40000"/>
+                    </a:schemeClr>
+                  </a:outerShdw>
+                </a:effectLst>
+                <a:latin typeface="Times New Roman" panose="02020603050405020304" charset="0"/>
+                <a:cs typeface="Times New Roman" panose="02020603050405020304" charset="0"/>
+                <a:sym typeface="+mn-ea"/>
+              </a:rPr>
+              <a:t>multi-task learning</a:t>
+            </a:r>
+            <a:r>
+              <a:rPr lang="zh-CN" altLang="en-US" b="1">
+                <a:solidFill>
+                  <a:srgbClr val="000000"/>
+                </a:solidFill>
+                <a:effectLst>
+                  <a:outerShdw blurRad="38100" dist="19050" dir="2700000" algn="tl" rotWithShape="0">
+                    <a:schemeClr val="dk1">
+                      <a:alpha val="40000"/>
+                    </a:schemeClr>
+                  </a:outerShdw>
+                </a:effectLst>
+                <a:latin typeface="Times New Roman" panose="02020603050405020304" charset="0"/>
+                <a:cs typeface="Times New Roman" panose="02020603050405020304" charset="0"/>
+                <a:sym typeface="+mn-ea"/>
+              </a:rPr>
+              <a:t>, a statistical prediction model is designed to</a:t>
+            </a:r>
+            <a:r>
+              <a:rPr lang="zh-CN" altLang="en-US" b="1">
+                <a:ln/>
+                <a:solidFill>
+                  <a:schemeClr val="tx1"/>
+                </a:solidFill>
+                <a:effectLst>
+                  <a:outerShdw blurRad="38100" dist="19050" dir="2700000" algn="tl" rotWithShape="0">
+                    <a:schemeClr val="dk1">
+                      <a:alpha val="40000"/>
+                    </a:schemeClr>
+                  </a:outerShdw>
+                </a:effectLst>
+                <a:latin typeface="Times New Roman" panose="02020603050405020304" charset="0"/>
+                <a:cs typeface="Times New Roman" panose="02020603050405020304" charset="0"/>
+                <a:sym typeface="+mn-ea"/>
+              </a:rPr>
+              <a:t> create shared feature representations</a:t>
+            </a:r>
+            <a:r>
+              <a:rPr lang="zh-CN" altLang="en-US" b="1">
+                <a:solidFill>
+                  <a:srgbClr val="000000"/>
+                </a:solidFill>
+                <a:effectLst>
+                  <a:outerShdw blurRad="38100" dist="19050" dir="2700000" algn="tl" rotWithShape="0">
+                    <a:schemeClr val="dk1">
+                      <a:alpha val="40000"/>
+                    </a:schemeClr>
+                  </a:outerShdw>
+                </a:effectLst>
+                <a:latin typeface="Times New Roman" panose="02020603050405020304" charset="0"/>
+                <a:cs typeface="Times New Roman" panose="02020603050405020304" charset="0"/>
+                <a:sym typeface="+mn-ea"/>
+              </a:rPr>
+              <a:t> for multiple tasks, improving the model's generalization ability and reducing the cost of data collection and sorting.</a:t>
             </a:r>
             <a:endParaRPr lang="zh-CN" altLang="en-US" b="1">
               <a:solidFill>
@@ -3100,7 +2882,7 @@
                 <a:cs typeface="Times New Roman" panose="02020603050405020304" charset="0"/>
                 <a:sym typeface="+mn-ea"/>
               </a:rPr>
-              <a:t> What are the advantages of non-naive streaming hierarchical partitioning clustering methods over naive variants in concept discovery?</a:t>
+              <a:t> How does multi-task learning help improve the model's predictive performance on the test dataset?</a:t>
             </a:r>
             <a:endParaRPr lang="en-US" altLang="zh-CN" b="1">
               <a:solidFill>
@@ -3152,22 +2934,32 @@
             <a:r>
               <a:rPr lang="en-US" altLang="zh-CN" b="1">
                 <a:solidFill>
-                  <a:schemeClr val="bg2">
-                    <a:lumMod val="10000"/>
-                  </a:schemeClr>
-                </a:solidFill>
+                  <a:srgbClr val="000000"/>
+                </a:solidFill>
+                <a:effectLst>
+                  <a:outerShdw blurRad="38100" dist="19050" dir="2700000" algn="tl" rotWithShape="0">
+                    <a:schemeClr val="dk1">
+                      <a:alpha val="40000"/>
+                    </a:schemeClr>
+                  </a:outerShdw>
+                </a:effectLst>
                 <a:latin typeface="Times New Roman" panose="02020603050405020304" charset="0"/>
                 <a:cs typeface="Times New Roman" panose="02020603050405020304" charset="0"/>
                 <a:sym typeface="+mn-ea"/>
               </a:rPr>
-              <a:t>The advantage of the non-naive streaming hierarchical partitioning clustering method over the naive variant in concept discovery lies in its ability to identify new concepts more efficiently. Through the analysis of experimental results, non-naive methods are better able to handle concept drift, i.e., concepts in the document stream may change over time. This approach is able to dynamically adjust clustering results, identifying new concepts and integrating them into the current concept hierarchy.</a:t>
+              <a:t>Multi-task learning improves the model's generalization ability and reduces the cost of data collection and sorting by creating shared feature representations for multiple tasks, thereby helping to improve the model's predictive performance on test data sets.</a:t>
             </a:r>
             <a:endParaRPr lang="en-US" altLang="zh-CN" b="1">
               <a:solidFill>
-                <a:schemeClr val="bg2">
-                  <a:lumMod val="10000"/>
-                </a:schemeClr>
+                <a:schemeClr val="tx1"/>
               </a:solidFill>
+              <a:effectLst>
+                <a:outerShdw blurRad="38100" dist="19050" dir="2700000" algn="tl" rotWithShape="0">
+                  <a:schemeClr val="dk1">
+                    <a:alpha val="40000"/>
+                  </a:schemeClr>
+                </a:outerShdw>
+              </a:effectLst>
               <a:latin typeface="Times New Roman" panose="02020603050405020304" charset="0"/>
               <a:cs typeface="Times New Roman" panose="02020603050405020304" charset="0"/>
               <a:sym typeface="+mn-ea"/>
@@ -3203,18 +2995,6 @@
 <file path=ppt/tags/tag1.xml><?xml version="1.0" encoding="utf-8"?>
 <p:tagLst xmlns:p="http://schemas.openxmlformats.org/presentationml/2006/main">
   <p:tag name="KSO_WM_BEAUTIFY_FLAG" val=""/>
-</p:tagLst>
-</file>
-
-<file path=ppt/tags/tag10.xml><?xml version="1.0" encoding="utf-8"?>
-<p:tagLst xmlns:p="http://schemas.openxmlformats.org/presentationml/2006/main">
-  <p:tag name="KSO_WM_BEAUTIFY_FLAG" val=""/>
-</p:tagLst>
-</file>
-
-<file path=ppt/tags/tag11.xml><?xml version="1.0" encoding="utf-8"?>
-<p:tagLst xmlns:p="http://schemas.openxmlformats.org/presentationml/2006/main">
-  <p:tag name="commondata" val="eyJoZGlkIjoiNTEyYzUyMzZmOWM1NThiMTA4OGRkNmM0NTQyOGMzZTYifQ=="/>
 </p:tagLst>
 </file>
 
@@ -3238,31 +3018,7 @@
 
 <file path=ppt/tags/tag5.xml><?xml version="1.0" encoding="utf-8"?>
 <p:tagLst xmlns:p="http://schemas.openxmlformats.org/presentationml/2006/main">
-  <p:tag name="KSO_WM_BEAUTIFY_FLAG" val=""/>
-</p:tagLst>
-</file>
-
-<file path=ppt/tags/tag6.xml><?xml version="1.0" encoding="utf-8"?>
-<p:tagLst xmlns:p="http://schemas.openxmlformats.org/presentationml/2006/main">
-  <p:tag name="KSO_WM_BEAUTIFY_FLAG" val=""/>
-</p:tagLst>
-</file>
-
-<file path=ppt/tags/tag7.xml><?xml version="1.0" encoding="utf-8"?>
-<p:tagLst xmlns:p="http://schemas.openxmlformats.org/presentationml/2006/main">
-  <p:tag name="KSO_WM_BEAUTIFY_FLAG" val=""/>
-</p:tagLst>
-</file>
-
-<file path=ppt/tags/tag8.xml><?xml version="1.0" encoding="utf-8"?>
-<p:tagLst xmlns:p="http://schemas.openxmlformats.org/presentationml/2006/main">
-  <p:tag name="KSO_WM_BEAUTIFY_FLAG" val=""/>
-</p:tagLst>
-</file>
-
-<file path=ppt/tags/tag9.xml><?xml version="1.0" encoding="utf-8"?>
-<p:tagLst xmlns:p="http://schemas.openxmlformats.org/presentationml/2006/main">
-  <p:tag name="KSO_WM_BEAUTIFY_FLAG" val=""/>
+  <p:tag name="commondata" val="eyJoZGlkIjoiNTEyYzUyMzZmOWM1NThiMTA4OGRkNmM0NTQyOGMzZTYifQ=="/>
 </p:tagLst>
 </file>
 
